--- a/ppt 16-9/0250.各各他的十字架.pptx
+++ b/ppt 16-9/0250.各各他的十字架.pptx
@@ -5,7 +5,7 @@
     <p:sldMasterId id="2147483648" r:id="rId1"/>
   </p:sldMasterIdLst>
   <p:sldIdLst>
-    <p:sldId id="3092" r:id="rId2"/>
+    <p:sldId id="3094" r:id="rId2"/>
   </p:sldIdLst>
   <p:sldSz cx="12192000" cy="6858000"/>
   <p:notesSz cx="6858000" cy="9144000"/>
@@ -129,7 +129,7 @@
           <p:cNvPr id="2" name="标题 1">
             <a:extLst>
               <a:ext uri="{FF2B5EF4-FFF2-40B4-BE49-F238E27FC236}">
-                <a16:creationId xmlns:a16="http://schemas.microsoft.com/office/drawing/2014/main" id="{F121C310-BE70-8A68-6821-1F467DC699B6}"/>
+                <a16:creationId xmlns:a16="http://schemas.microsoft.com/office/drawing/2014/main" id="{66156306-8893-0EEC-0C24-730341D15539}"/>
               </a:ext>
             </a:extLst>
           </p:cNvPr>
@@ -166,7 +166,7 @@
           <p:cNvPr id="3" name="副标题 2">
             <a:extLst>
               <a:ext uri="{FF2B5EF4-FFF2-40B4-BE49-F238E27FC236}">
-                <a16:creationId xmlns:a16="http://schemas.microsoft.com/office/drawing/2014/main" id="{E2A7D1C2-CA43-60C9-B29B-F8AB210955EE}"/>
+                <a16:creationId xmlns:a16="http://schemas.microsoft.com/office/drawing/2014/main" id="{07E4D470-F43B-968C-E21E-5F8E751CF2C1}"/>
               </a:ext>
             </a:extLst>
           </p:cNvPr>
@@ -236,7 +236,7 @@
           <p:cNvPr id="4" name="日期占位符 3">
             <a:extLst>
               <a:ext uri="{FF2B5EF4-FFF2-40B4-BE49-F238E27FC236}">
-                <a16:creationId xmlns:a16="http://schemas.microsoft.com/office/drawing/2014/main" id="{F8C88ACB-9208-8A5C-C4BC-49253EE28535}"/>
+                <a16:creationId xmlns:a16="http://schemas.microsoft.com/office/drawing/2014/main" id="{7BB5D115-E7AA-B0D5-7215-7A0D65614F60}"/>
               </a:ext>
             </a:extLst>
           </p:cNvPr>
@@ -252,7 +252,7 @@
           <a:bodyPr/>
           <a:lstStyle/>
           <a:p>
-            <a:fld id="{D6B912BE-CD0B-4D53-8049-EE06A4289DFB}" type="datetimeFigureOut">
+            <a:fld id="{74590499-1404-498B-A1B7-C2DF67E66AD4}" type="datetimeFigureOut">
               <a:rPr lang="zh-CN" altLang="en-US" smtClean="0"/>
               <a:t>2024/3/10</a:t>
             </a:fld>
@@ -265,7 +265,7 @@
           <p:cNvPr id="5" name="页脚占位符 4">
             <a:extLst>
               <a:ext uri="{FF2B5EF4-FFF2-40B4-BE49-F238E27FC236}">
-                <a16:creationId xmlns:a16="http://schemas.microsoft.com/office/drawing/2014/main" id="{095D0F9A-96D3-F377-B0B6-730AF1FA8431}"/>
+                <a16:creationId xmlns:a16="http://schemas.microsoft.com/office/drawing/2014/main" id="{B2D0CB73-FE4F-16DC-0569-B641B19860DC}"/>
               </a:ext>
             </a:extLst>
           </p:cNvPr>
@@ -290,7 +290,7 @@
           <p:cNvPr id="6" name="灯片编号占位符 5">
             <a:extLst>
               <a:ext uri="{FF2B5EF4-FFF2-40B4-BE49-F238E27FC236}">
-                <a16:creationId xmlns:a16="http://schemas.microsoft.com/office/drawing/2014/main" id="{682819A6-786E-88EF-D7AC-475EFFFB5169}"/>
+                <a16:creationId xmlns:a16="http://schemas.microsoft.com/office/drawing/2014/main" id="{DA7D4767-3D7D-3725-F976-09604DCCC96D}"/>
               </a:ext>
             </a:extLst>
           </p:cNvPr>
@@ -306,7 +306,7 @@
           <a:bodyPr/>
           <a:lstStyle/>
           <a:p>
-            <a:fld id="{88FBBDA0-424F-4CA9-A50E-76383FDE8075}" type="slidenum">
+            <a:fld id="{96C9194C-6D96-42EC-9C0F-FE4E4051F18C}" type="slidenum">
               <a:rPr lang="zh-CN" altLang="en-US" smtClean="0"/>
               <a:t>‹#›</a:t>
             </a:fld>
@@ -317,7 +317,7 @@
     </p:spTree>
     <p:extLst>
       <p:ext uri="{BB962C8B-B14F-4D97-AF65-F5344CB8AC3E}">
-        <p14:creationId xmlns:p14="http://schemas.microsoft.com/office/powerpoint/2010/main" val="2840093787"/>
+        <p14:creationId xmlns:p14="http://schemas.microsoft.com/office/powerpoint/2010/main" val="2363133255"/>
       </p:ext>
     </p:extLst>
   </p:cSld>
@@ -349,7 +349,7 @@
           <p:cNvPr id="2" name="标题 1">
             <a:extLst>
               <a:ext uri="{FF2B5EF4-FFF2-40B4-BE49-F238E27FC236}">
-                <a16:creationId xmlns:a16="http://schemas.microsoft.com/office/drawing/2014/main" id="{3CFF8BCB-EF36-8707-B6FD-E000A26909A2}"/>
+                <a16:creationId xmlns:a16="http://schemas.microsoft.com/office/drawing/2014/main" id="{8D71C004-1741-72BF-6320-65E68D0DFFBD}"/>
               </a:ext>
             </a:extLst>
           </p:cNvPr>
@@ -377,7 +377,7 @@
           <p:cNvPr id="3" name="竖排文字占位符 2">
             <a:extLst>
               <a:ext uri="{FF2B5EF4-FFF2-40B4-BE49-F238E27FC236}">
-                <a16:creationId xmlns:a16="http://schemas.microsoft.com/office/drawing/2014/main" id="{29CF1C4F-B055-F2D5-2011-C8BC4811A421}"/>
+                <a16:creationId xmlns:a16="http://schemas.microsoft.com/office/drawing/2014/main" id="{6C1D57E5-8B19-0225-4D2B-088DBFE606E2}"/>
               </a:ext>
             </a:extLst>
           </p:cNvPr>
@@ -434,7 +434,7 @@
           <p:cNvPr id="4" name="日期占位符 3">
             <a:extLst>
               <a:ext uri="{FF2B5EF4-FFF2-40B4-BE49-F238E27FC236}">
-                <a16:creationId xmlns:a16="http://schemas.microsoft.com/office/drawing/2014/main" id="{75E14822-78E6-1B4E-F926-67099CA4C432}"/>
+                <a16:creationId xmlns:a16="http://schemas.microsoft.com/office/drawing/2014/main" id="{11BB270E-8EE6-914C-B4E7-6CFCEFA7D7D1}"/>
               </a:ext>
             </a:extLst>
           </p:cNvPr>
@@ -450,7 +450,7 @@
           <a:bodyPr/>
           <a:lstStyle/>
           <a:p>
-            <a:fld id="{D6B912BE-CD0B-4D53-8049-EE06A4289DFB}" type="datetimeFigureOut">
+            <a:fld id="{74590499-1404-498B-A1B7-C2DF67E66AD4}" type="datetimeFigureOut">
               <a:rPr lang="zh-CN" altLang="en-US" smtClean="0"/>
               <a:t>2024/3/10</a:t>
             </a:fld>
@@ -463,7 +463,7 @@
           <p:cNvPr id="5" name="页脚占位符 4">
             <a:extLst>
               <a:ext uri="{FF2B5EF4-FFF2-40B4-BE49-F238E27FC236}">
-                <a16:creationId xmlns:a16="http://schemas.microsoft.com/office/drawing/2014/main" id="{06D09D75-6D78-9988-F8CD-94FC21F8C18B}"/>
+                <a16:creationId xmlns:a16="http://schemas.microsoft.com/office/drawing/2014/main" id="{D240A156-970E-2652-C5DD-8FEFB1BE9571}"/>
               </a:ext>
             </a:extLst>
           </p:cNvPr>
@@ -488,7 +488,7 @@
           <p:cNvPr id="6" name="灯片编号占位符 5">
             <a:extLst>
               <a:ext uri="{FF2B5EF4-FFF2-40B4-BE49-F238E27FC236}">
-                <a16:creationId xmlns:a16="http://schemas.microsoft.com/office/drawing/2014/main" id="{4013EAB6-1043-1E8E-A5F8-070B752A89DA}"/>
+                <a16:creationId xmlns:a16="http://schemas.microsoft.com/office/drawing/2014/main" id="{A6DAB0A3-929E-39C7-576C-B979B39DC9E6}"/>
               </a:ext>
             </a:extLst>
           </p:cNvPr>
@@ -504,7 +504,7 @@
           <a:bodyPr/>
           <a:lstStyle/>
           <a:p>
-            <a:fld id="{88FBBDA0-424F-4CA9-A50E-76383FDE8075}" type="slidenum">
+            <a:fld id="{96C9194C-6D96-42EC-9C0F-FE4E4051F18C}" type="slidenum">
               <a:rPr lang="zh-CN" altLang="en-US" smtClean="0"/>
               <a:t>‹#›</a:t>
             </a:fld>
@@ -515,7 +515,7 @@
     </p:spTree>
     <p:extLst>
       <p:ext uri="{BB962C8B-B14F-4D97-AF65-F5344CB8AC3E}">
-        <p14:creationId xmlns:p14="http://schemas.microsoft.com/office/powerpoint/2010/main" val="3515253036"/>
+        <p14:creationId xmlns:p14="http://schemas.microsoft.com/office/powerpoint/2010/main" val="1091517346"/>
       </p:ext>
     </p:extLst>
   </p:cSld>
@@ -547,7 +547,7 @@
           <p:cNvPr id="2" name="竖排标题 1">
             <a:extLst>
               <a:ext uri="{FF2B5EF4-FFF2-40B4-BE49-F238E27FC236}">
-                <a16:creationId xmlns:a16="http://schemas.microsoft.com/office/drawing/2014/main" id="{2FE1FFB7-8561-46CB-DFB9-62BAAEB30E61}"/>
+                <a16:creationId xmlns:a16="http://schemas.microsoft.com/office/drawing/2014/main" id="{2C6CD9EE-6B59-0395-D0C4-525FDFD92FF8}"/>
               </a:ext>
             </a:extLst>
           </p:cNvPr>
@@ -580,7 +580,7 @@
           <p:cNvPr id="3" name="竖排文字占位符 2">
             <a:extLst>
               <a:ext uri="{FF2B5EF4-FFF2-40B4-BE49-F238E27FC236}">
-                <a16:creationId xmlns:a16="http://schemas.microsoft.com/office/drawing/2014/main" id="{BD4D7AE2-B346-E128-A5F0-7DF80FD6DE50}"/>
+                <a16:creationId xmlns:a16="http://schemas.microsoft.com/office/drawing/2014/main" id="{7AC936ED-52E3-1E92-A12E-D66017AD5A51}"/>
               </a:ext>
             </a:extLst>
           </p:cNvPr>
@@ -642,7 +642,7 @@
           <p:cNvPr id="4" name="日期占位符 3">
             <a:extLst>
               <a:ext uri="{FF2B5EF4-FFF2-40B4-BE49-F238E27FC236}">
-                <a16:creationId xmlns:a16="http://schemas.microsoft.com/office/drawing/2014/main" id="{B07EAD3C-F372-BDC0-C884-88CA7F09F631}"/>
+                <a16:creationId xmlns:a16="http://schemas.microsoft.com/office/drawing/2014/main" id="{1FEFA602-FC9C-F070-5C5F-85C956B52F53}"/>
               </a:ext>
             </a:extLst>
           </p:cNvPr>
@@ -658,7 +658,7 @@
           <a:bodyPr/>
           <a:lstStyle/>
           <a:p>
-            <a:fld id="{D6B912BE-CD0B-4D53-8049-EE06A4289DFB}" type="datetimeFigureOut">
+            <a:fld id="{74590499-1404-498B-A1B7-C2DF67E66AD4}" type="datetimeFigureOut">
               <a:rPr lang="zh-CN" altLang="en-US" smtClean="0"/>
               <a:t>2024/3/10</a:t>
             </a:fld>
@@ -671,7 +671,7 @@
           <p:cNvPr id="5" name="页脚占位符 4">
             <a:extLst>
               <a:ext uri="{FF2B5EF4-FFF2-40B4-BE49-F238E27FC236}">
-                <a16:creationId xmlns:a16="http://schemas.microsoft.com/office/drawing/2014/main" id="{00680FC5-5066-1BE7-77BA-5F3DCB82112A}"/>
+                <a16:creationId xmlns:a16="http://schemas.microsoft.com/office/drawing/2014/main" id="{3086C0CB-56E5-6F69-811F-22BFB19A3F9D}"/>
               </a:ext>
             </a:extLst>
           </p:cNvPr>
@@ -696,7 +696,7 @@
           <p:cNvPr id="6" name="灯片编号占位符 5">
             <a:extLst>
               <a:ext uri="{FF2B5EF4-FFF2-40B4-BE49-F238E27FC236}">
-                <a16:creationId xmlns:a16="http://schemas.microsoft.com/office/drawing/2014/main" id="{F4F353BE-DD41-D185-67C8-4EE49629E620}"/>
+                <a16:creationId xmlns:a16="http://schemas.microsoft.com/office/drawing/2014/main" id="{CE10234A-46C3-09DD-26D5-1DEF3F397914}"/>
               </a:ext>
             </a:extLst>
           </p:cNvPr>
@@ -712,7 +712,7 @@
           <a:bodyPr/>
           <a:lstStyle/>
           <a:p>
-            <a:fld id="{88FBBDA0-424F-4CA9-A50E-76383FDE8075}" type="slidenum">
+            <a:fld id="{96C9194C-6D96-42EC-9C0F-FE4E4051F18C}" type="slidenum">
               <a:rPr lang="zh-CN" altLang="en-US" smtClean="0"/>
               <a:t>‹#›</a:t>
             </a:fld>
@@ -723,7 +723,7 @@
     </p:spTree>
     <p:extLst>
       <p:ext uri="{BB962C8B-B14F-4D97-AF65-F5344CB8AC3E}">
-        <p14:creationId xmlns:p14="http://schemas.microsoft.com/office/powerpoint/2010/main" val="2221446154"/>
+        <p14:creationId xmlns:p14="http://schemas.microsoft.com/office/powerpoint/2010/main" val="1350588776"/>
       </p:ext>
     </p:extLst>
   </p:cSld>
@@ -755,7 +755,7 @@
           <p:cNvPr id="2" name="标题 1">
             <a:extLst>
               <a:ext uri="{FF2B5EF4-FFF2-40B4-BE49-F238E27FC236}">
-                <a16:creationId xmlns:a16="http://schemas.microsoft.com/office/drawing/2014/main" id="{F79477A7-9CE1-CAE4-2D54-8E2B74931C09}"/>
+                <a16:creationId xmlns:a16="http://schemas.microsoft.com/office/drawing/2014/main" id="{2A972DDA-5635-030A-23D5-B889207606A0}"/>
               </a:ext>
             </a:extLst>
           </p:cNvPr>
@@ -783,7 +783,7 @@
           <p:cNvPr id="3" name="内容占位符 2">
             <a:extLst>
               <a:ext uri="{FF2B5EF4-FFF2-40B4-BE49-F238E27FC236}">
-                <a16:creationId xmlns:a16="http://schemas.microsoft.com/office/drawing/2014/main" id="{8817E9F7-B19B-B52C-B22E-F4248A447AB9}"/>
+                <a16:creationId xmlns:a16="http://schemas.microsoft.com/office/drawing/2014/main" id="{D1639F3B-9AB9-5CE3-3B47-D2D3F53C6E75}"/>
               </a:ext>
             </a:extLst>
           </p:cNvPr>
@@ -840,7 +840,7 @@
           <p:cNvPr id="4" name="日期占位符 3">
             <a:extLst>
               <a:ext uri="{FF2B5EF4-FFF2-40B4-BE49-F238E27FC236}">
-                <a16:creationId xmlns:a16="http://schemas.microsoft.com/office/drawing/2014/main" id="{A8076511-048A-B251-2E06-92BA15365DAB}"/>
+                <a16:creationId xmlns:a16="http://schemas.microsoft.com/office/drawing/2014/main" id="{95E49E6A-DBBB-1E98-6F76-DC9657D32D3F}"/>
               </a:ext>
             </a:extLst>
           </p:cNvPr>
@@ -856,7 +856,7 @@
           <a:bodyPr/>
           <a:lstStyle/>
           <a:p>
-            <a:fld id="{D6B912BE-CD0B-4D53-8049-EE06A4289DFB}" type="datetimeFigureOut">
+            <a:fld id="{74590499-1404-498B-A1B7-C2DF67E66AD4}" type="datetimeFigureOut">
               <a:rPr lang="zh-CN" altLang="en-US" smtClean="0"/>
               <a:t>2024/3/10</a:t>
             </a:fld>
@@ -869,7 +869,7 @@
           <p:cNvPr id="5" name="页脚占位符 4">
             <a:extLst>
               <a:ext uri="{FF2B5EF4-FFF2-40B4-BE49-F238E27FC236}">
-                <a16:creationId xmlns:a16="http://schemas.microsoft.com/office/drawing/2014/main" id="{46EC9081-1A75-E008-12FE-7609EC7D6BA2}"/>
+                <a16:creationId xmlns:a16="http://schemas.microsoft.com/office/drawing/2014/main" id="{4710809C-60A9-BEFB-C8C2-06CBFAC149B2}"/>
               </a:ext>
             </a:extLst>
           </p:cNvPr>
@@ -894,7 +894,7 @@
           <p:cNvPr id="6" name="灯片编号占位符 5">
             <a:extLst>
               <a:ext uri="{FF2B5EF4-FFF2-40B4-BE49-F238E27FC236}">
-                <a16:creationId xmlns:a16="http://schemas.microsoft.com/office/drawing/2014/main" id="{49540F47-5E32-A15E-C3B1-3C8DEF79FEB2}"/>
+                <a16:creationId xmlns:a16="http://schemas.microsoft.com/office/drawing/2014/main" id="{DB8A5012-3245-2A1A-D7B8-D70A570E0CA3}"/>
               </a:ext>
             </a:extLst>
           </p:cNvPr>
@@ -910,7 +910,7 @@
           <a:bodyPr/>
           <a:lstStyle/>
           <a:p>
-            <a:fld id="{88FBBDA0-424F-4CA9-A50E-76383FDE8075}" type="slidenum">
+            <a:fld id="{96C9194C-6D96-42EC-9C0F-FE4E4051F18C}" type="slidenum">
               <a:rPr lang="zh-CN" altLang="en-US" smtClean="0"/>
               <a:t>‹#›</a:t>
             </a:fld>
@@ -921,7 +921,7 @@
     </p:spTree>
     <p:extLst>
       <p:ext uri="{BB962C8B-B14F-4D97-AF65-F5344CB8AC3E}">
-        <p14:creationId xmlns:p14="http://schemas.microsoft.com/office/powerpoint/2010/main" val="3248676080"/>
+        <p14:creationId xmlns:p14="http://schemas.microsoft.com/office/powerpoint/2010/main" val="3340141894"/>
       </p:ext>
     </p:extLst>
   </p:cSld>
@@ -953,7 +953,7 @@
           <p:cNvPr id="2" name="标题 1">
             <a:extLst>
               <a:ext uri="{FF2B5EF4-FFF2-40B4-BE49-F238E27FC236}">
-                <a16:creationId xmlns:a16="http://schemas.microsoft.com/office/drawing/2014/main" id="{B3B352E0-B034-D0FD-DEB6-4142D9D52EEE}"/>
+                <a16:creationId xmlns:a16="http://schemas.microsoft.com/office/drawing/2014/main" id="{12AE1A8D-5B55-B564-9ABC-BEA1380B7EC8}"/>
               </a:ext>
             </a:extLst>
           </p:cNvPr>
@@ -990,7 +990,7 @@
           <p:cNvPr id="3" name="文本占位符 2">
             <a:extLst>
               <a:ext uri="{FF2B5EF4-FFF2-40B4-BE49-F238E27FC236}">
-                <a16:creationId xmlns:a16="http://schemas.microsoft.com/office/drawing/2014/main" id="{0590B5CC-4343-D5EA-4555-6EEC4B9C0E3E}"/>
+                <a16:creationId xmlns:a16="http://schemas.microsoft.com/office/drawing/2014/main" id="{B9CFAC3E-110F-4619-823C-959F91DC0A35}"/>
               </a:ext>
             </a:extLst>
           </p:cNvPr>
@@ -1115,7 +1115,7 @@
           <p:cNvPr id="4" name="日期占位符 3">
             <a:extLst>
               <a:ext uri="{FF2B5EF4-FFF2-40B4-BE49-F238E27FC236}">
-                <a16:creationId xmlns:a16="http://schemas.microsoft.com/office/drawing/2014/main" id="{85F4063C-17D0-7580-C169-103B7483798F}"/>
+                <a16:creationId xmlns:a16="http://schemas.microsoft.com/office/drawing/2014/main" id="{2236BBFC-2505-B71A-A004-F7AC6F1A3D9D}"/>
               </a:ext>
             </a:extLst>
           </p:cNvPr>
@@ -1131,7 +1131,7 @@
           <a:bodyPr/>
           <a:lstStyle/>
           <a:p>
-            <a:fld id="{D6B912BE-CD0B-4D53-8049-EE06A4289DFB}" type="datetimeFigureOut">
+            <a:fld id="{74590499-1404-498B-A1B7-C2DF67E66AD4}" type="datetimeFigureOut">
               <a:rPr lang="zh-CN" altLang="en-US" smtClean="0"/>
               <a:t>2024/3/10</a:t>
             </a:fld>
@@ -1144,7 +1144,7 @@
           <p:cNvPr id="5" name="页脚占位符 4">
             <a:extLst>
               <a:ext uri="{FF2B5EF4-FFF2-40B4-BE49-F238E27FC236}">
-                <a16:creationId xmlns:a16="http://schemas.microsoft.com/office/drawing/2014/main" id="{1AAB17FD-9921-FA01-0B49-58763D7E9865}"/>
+                <a16:creationId xmlns:a16="http://schemas.microsoft.com/office/drawing/2014/main" id="{534565C2-7334-1FC0-52D5-8190F1E424B7}"/>
               </a:ext>
             </a:extLst>
           </p:cNvPr>
@@ -1169,7 +1169,7 @@
           <p:cNvPr id="6" name="灯片编号占位符 5">
             <a:extLst>
               <a:ext uri="{FF2B5EF4-FFF2-40B4-BE49-F238E27FC236}">
-                <a16:creationId xmlns:a16="http://schemas.microsoft.com/office/drawing/2014/main" id="{AF874DC7-7F7C-4255-BB6F-2BF5B9F77560}"/>
+                <a16:creationId xmlns:a16="http://schemas.microsoft.com/office/drawing/2014/main" id="{C3BA712F-D549-AA78-DCFC-80A1DEA90B94}"/>
               </a:ext>
             </a:extLst>
           </p:cNvPr>
@@ -1185,7 +1185,7 @@
           <a:bodyPr/>
           <a:lstStyle/>
           <a:p>
-            <a:fld id="{88FBBDA0-424F-4CA9-A50E-76383FDE8075}" type="slidenum">
+            <a:fld id="{96C9194C-6D96-42EC-9C0F-FE4E4051F18C}" type="slidenum">
               <a:rPr lang="zh-CN" altLang="en-US" smtClean="0"/>
               <a:t>‹#›</a:t>
             </a:fld>
@@ -1196,7 +1196,7 @@
     </p:spTree>
     <p:extLst>
       <p:ext uri="{BB962C8B-B14F-4D97-AF65-F5344CB8AC3E}">
-        <p14:creationId xmlns:p14="http://schemas.microsoft.com/office/powerpoint/2010/main" val="1430831627"/>
+        <p14:creationId xmlns:p14="http://schemas.microsoft.com/office/powerpoint/2010/main" val="3357232147"/>
       </p:ext>
     </p:extLst>
   </p:cSld>
@@ -1228,7 +1228,7 @@
           <p:cNvPr id="2" name="标题 1">
             <a:extLst>
               <a:ext uri="{FF2B5EF4-FFF2-40B4-BE49-F238E27FC236}">
-                <a16:creationId xmlns:a16="http://schemas.microsoft.com/office/drawing/2014/main" id="{9BA1E32B-76A2-351B-19F2-BB5B7FF3B427}"/>
+                <a16:creationId xmlns:a16="http://schemas.microsoft.com/office/drawing/2014/main" id="{4E564642-C27E-3BDE-BF86-9F9F496F9BFC}"/>
               </a:ext>
             </a:extLst>
           </p:cNvPr>
@@ -1256,7 +1256,7 @@
           <p:cNvPr id="3" name="内容占位符 2">
             <a:extLst>
               <a:ext uri="{FF2B5EF4-FFF2-40B4-BE49-F238E27FC236}">
-                <a16:creationId xmlns:a16="http://schemas.microsoft.com/office/drawing/2014/main" id="{D35E9307-9760-2E2B-80C6-22DE3B738381}"/>
+                <a16:creationId xmlns:a16="http://schemas.microsoft.com/office/drawing/2014/main" id="{8EEB2AEF-D203-0167-A3DD-A4EBC70B245C}"/>
               </a:ext>
             </a:extLst>
           </p:cNvPr>
@@ -1318,7 +1318,7 @@
           <p:cNvPr id="4" name="内容占位符 3">
             <a:extLst>
               <a:ext uri="{FF2B5EF4-FFF2-40B4-BE49-F238E27FC236}">
-                <a16:creationId xmlns:a16="http://schemas.microsoft.com/office/drawing/2014/main" id="{8456B94B-164D-7AFD-16B3-4E900F250827}"/>
+                <a16:creationId xmlns:a16="http://schemas.microsoft.com/office/drawing/2014/main" id="{AE7C2FCC-8BE9-7417-3BFC-55E4A33CC791}"/>
               </a:ext>
             </a:extLst>
           </p:cNvPr>
@@ -1380,7 +1380,7 @@
           <p:cNvPr id="5" name="日期占位符 4">
             <a:extLst>
               <a:ext uri="{FF2B5EF4-FFF2-40B4-BE49-F238E27FC236}">
-                <a16:creationId xmlns:a16="http://schemas.microsoft.com/office/drawing/2014/main" id="{8D60D00C-FBDC-EC9C-7EBB-0B7DE79FE801}"/>
+                <a16:creationId xmlns:a16="http://schemas.microsoft.com/office/drawing/2014/main" id="{7135B1FA-CBD2-78E0-D572-DEF6010597FE}"/>
               </a:ext>
             </a:extLst>
           </p:cNvPr>
@@ -1396,7 +1396,7 @@
           <a:bodyPr/>
           <a:lstStyle/>
           <a:p>
-            <a:fld id="{D6B912BE-CD0B-4D53-8049-EE06A4289DFB}" type="datetimeFigureOut">
+            <a:fld id="{74590499-1404-498B-A1B7-C2DF67E66AD4}" type="datetimeFigureOut">
               <a:rPr lang="zh-CN" altLang="en-US" smtClean="0"/>
               <a:t>2024/3/10</a:t>
             </a:fld>
@@ -1409,7 +1409,7 @@
           <p:cNvPr id="6" name="页脚占位符 5">
             <a:extLst>
               <a:ext uri="{FF2B5EF4-FFF2-40B4-BE49-F238E27FC236}">
-                <a16:creationId xmlns:a16="http://schemas.microsoft.com/office/drawing/2014/main" id="{9C4B1B86-CDFF-AEEC-FADD-5BFD1B55212B}"/>
+                <a16:creationId xmlns:a16="http://schemas.microsoft.com/office/drawing/2014/main" id="{C73B8FAC-0457-9C0A-5366-1B13D36DE40E}"/>
               </a:ext>
             </a:extLst>
           </p:cNvPr>
@@ -1434,7 +1434,7 @@
           <p:cNvPr id="7" name="灯片编号占位符 6">
             <a:extLst>
               <a:ext uri="{FF2B5EF4-FFF2-40B4-BE49-F238E27FC236}">
-                <a16:creationId xmlns:a16="http://schemas.microsoft.com/office/drawing/2014/main" id="{385BFC84-5684-527C-9029-03ADEEC9D20C}"/>
+                <a16:creationId xmlns:a16="http://schemas.microsoft.com/office/drawing/2014/main" id="{FD68337C-9A2E-7980-3939-F24FF0407634}"/>
               </a:ext>
             </a:extLst>
           </p:cNvPr>
@@ -1450,7 +1450,7 @@
           <a:bodyPr/>
           <a:lstStyle/>
           <a:p>
-            <a:fld id="{88FBBDA0-424F-4CA9-A50E-76383FDE8075}" type="slidenum">
+            <a:fld id="{96C9194C-6D96-42EC-9C0F-FE4E4051F18C}" type="slidenum">
               <a:rPr lang="zh-CN" altLang="en-US" smtClean="0"/>
               <a:t>‹#›</a:t>
             </a:fld>
@@ -1461,7 +1461,7 @@
     </p:spTree>
     <p:extLst>
       <p:ext uri="{BB962C8B-B14F-4D97-AF65-F5344CB8AC3E}">
-        <p14:creationId xmlns:p14="http://schemas.microsoft.com/office/powerpoint/2010/main" val="365734957"/>
+        <p14:creationId xmlns:p14="http://schemas.microsoft.com/office/powerpoint/2010/main" val="1281901602"/>
       </p:ext>
     </p:extLst>
   </p:cSld>
@@ -1493,7 +1493,7 @@
           <p:cNvPr id="2" name="标题 1">
             <a:extLst>
               <a:ext uri="{FF2B5EF4-FFF2-40B4-BE49-F238E27FC236}">
-                <a16:creationId xmlns:a16="http://schemas.microsoft.com/office/drawing/2014/main" id="{E5AC6AFF-0CA1-5796-F64E-76731561572A}"/>
+                <a16:creationId xmlns:a16="http://schemas.microsoft.com/office/drawing/2014/main" id="{A50A48BD-EB03-F151-9E93-CE19F827650F}"/>
               </a:ext>
             </a:extLst>
           </p:cNvPr>
@@ -1526,7 +1526,7 @@
           <p:cNvPr id="3" name="文本占位符 2">
             <a:extLst>
               <a:ext uri="{FF2B5EF4-FFF2-40B4-BE49-F238E27FC236}">
-                <a16:creationId xmlns:a16="http://schemas.microsoft.com/office/drawing/2014/main" id="{4AEADA46-50BA-DA56-E63B-427131F9B31A}"/>
+                <a16:creationId xmlns:a16="http://schemas.microsoft.com/office/drawing/2014/main" id="{B53D236D-E1DF-7754-BE25-556EE0E248E9}"/>
               </a:ext>
             </a:extLst>
           </p:cNvPr>
@@ -1597,7 +1597,7 @@
           <p:cNvPr id="4" name="内容占位符 3">
             <a:extLst>
               <a:ext uri="{FF2B5EF4-FFF2-40B4-BE49-F238E27FC236}">
-                <a16:creationId xmlns:a16="http://schemas.microsoft.com/office/drawing/2014/main" id="{0AE66E10-B8A9-C4CD-F2F1-0A37033E683F}"/>
+                <a16:creationId xmlns:a16="http://schemas.microsoft.com/office/drawing/2014/main" id="{1BDFBA25-6C57-29EC-F8D1-D21694224000}"/>
               </a:ext>
             </a:extLst>
           </p:cNvPr>
@@ -1659,7 +1659,7 @@
           <p:cNvPr id="5" name="文本占位符 4">
             <a:extLst>
               <a:ext uri="{FF2B5EF4-FFF2-40B4-BE49-F238E27FC236}">
-                <a16:creationId xmlns:a16="http://schemas.microsoft.com/office/drawing/2014/main" id="{2C194E2E-1201-D100-F9A9-C1A515DBE09B}"/>
+                <a16:creationId xmlns:a16="http://schemas.microsoft.com/office/drawing/2014/main" id="{B40B2301-AB56-A08F-C931-433C24B14BB6}"/>
               </a:ext>
             </a:extLst>
           </p:cNvPr>
@@ -1730,7 +1730,7 @@
           <p:cNvPr id="6" name="内容占位符 5">
             <a:extLst>
               <a:ext uri="{FF2B5EF4-FFF2-40B4-BE49-F238E27FC236}">
-                <a16:creationId xmlns:a16="http://schemas.microsoft.com/office/drawing/2014/main" id="{ECDE7F7F-D80D-A136-A621-00D8BB664D27}"/>
+                <a16:creationId xmlns:a16="http://schemas.microsoft.com/office/drawing/2014/main" id="{B942BACA-847C-B547-8FA7-FA3852A18BAB}"/>
               </a:ext>
             </a:extLst>
           </p:cNvPr>
@@ -1792,7 +1792,7 @@
           <p:cNvPr id="7" name="日期占位符 6">
             <a:extLst>
               <a:ext uri="{FF2B5EF4-FFF2-40B4-BE49-F238E27FC236}">
-                <a16:creationId xmlns:a16="http://schemas.microsoft.com/office/drawing/2014/main" id="{B1BFA69F-A5BD-45F8-5DF6-D23714BA13DA}"/>
+                <a16:creationId xmlns:a16="http://schemas.microsoft.com/office/drawing/2014/main" id="{B7F3DE26-D248-13FD-381B-5988AA9BF34D}"/>
               </a:ext>
             </a:extLst>
           </p:cNvPr>
@@ -1808,7 +1808,7 @@
           <a:bodyPr/>
           <a:lstStyle/>
           <a:p>
-            <a:fld id="{D6B912BE-CD0B-4D53-8049-EE06A4289DFB}" type="datetimeFigureOut">
+            <a:fld id="{74590499-1404-498B-A1B7-C2DF67E66AD4}" type="datetimeFigureOut">
               <a:rPr lang="zh-CN" altLang="en-US" smtClean="0"/>
               <a:t>2024/3/10</a:t>
             </a:fld>
@@ -1821,7 +1821,7 @@
           <p:cNvPr id="8" name="页脚占位符 7">
             <a:extLst>
               <a:ext uri="{FF2B5EF4-FFF2-40B4-BE49-F238E27FC236}">
-                <a16:creationId xmlns:a16="http://schemas.microsoft.com/office/drawing/2014/main" id="{F699B508-5F20-D6E5-4726-7E5EC0F7F07B}"/>
+                <a16:creationId xmlns:a16="http://schemas.microsoft.com/office/drawing/2014/main" id="{6CD35A7A-B2EE-752C-444D-9D0A1F3A715B}"/>
               </a:ext>
             </a:extLst>
           </p:cNvPr>
@@ -1846,7 +1846,7 @@
           <p:cNvPr id="9" name="灯片编号占位符 8">
             <a:extLst>
               <a:ext uri="{FF2B5EF4-FFF2-40B4-BE49-F238E27FC236}">
-                <a16:creationId xmlns:a16="http://schemas.microsoft.com/office/drawing/2014/main" id="{CD48B8A7-A8AF-D4BB-1A42-6B7B75657810}"/>
+                <a16:creationId xmlns:a16="http://schemas.microsoft.com/office/drawing/2014/main" id="{BEF813DD-A654-AA48-ADF7-A1CEBD121E68}"/>
               </a:ext>
             </a:extLst>
           </p:cNvPr>
@@ -1862,7 +1862,7 @@
           <a:bodyPr/>
           <a:lstStyle/>
           <a:p>
-            <a:fld id="{88FBBDA0-424F-4CA9-A50E-76383FDE8075}" type="slidenum">
+            <a:fld id="{96C9194C-6D96-42EC-9C0F-FE4E4051F18C}" type="slidenum">
               <a:rPr lang="zh-CN" altLang="en-US" smtClean="0"/>
               <a:t>‹#›</a:t>
             </a:fld>
@@ -1873,7 +1873,7 @@
     </p:spTree>
     <p:extLst>
       <p:ext uri="{BB962C8B-B14F-4D97-AF65-F5344CB8AC3E}">
-        <p14:creationId xmlns:p14="http://schemas.microsoft.com/office/powerpoint/2010/main" val="2414231756"/>
+        <p14:creationId xmlns:p14="http://schemas.microsoft.com/office/powerpoint/2010/main" val="917515102"/>
       </p:ext>
     </p:extLst>
   </p:cSld>
@@ -1905,7 +1905,7 @@
           <p:cNvPr id="2" name="标题 1">
             <a:extLst>
               <a:ext uri="{FF2B5EF4-FFF2-40B4-BE49-F238E27FC236}">
-                <a16:creationId xmlns:a16="http://schemas.microsoft.com/office/drawing/2014/main" id="{C4B1D48A-F558-DD5F-809D-F27AC8883897}"/>
+                <a16:creationId xmlns:a16="http://schemas.microsoft.com/office/drawing/2014/main" id="{902F667B-3C64-BED8-A1F0-AC9F98BCADA8}"/>
               </a:ext>
             </a:extLst>
           </p:cNvPr>
@@ -1933,7 +1933,7 @@
           <p:cNvPr id="3" name="日期占位符 2">
             <a:extLst>
               <a:ext uri="{FF2B5EF4-FFF2-40B4-BE49-F238E27FC236}">
-                <a16:creationId xmlns:a16="http://schemas.microsoft.com/office/drawing/2014/main" id="{4BDDD88B-9FBF-0C2B-791A-4C2ECFE0E831}"/>
+                <a16:creationId xmlns:a16="http://schemas.microsoft.com/office/drawing/2014/main" id="{83657AF4-3557-523B-441F-8523E39833DA}"/>
               </a:ext>
             </a:extLst>
           </p:cNvPr>
@@ -1949,7 +1949,7 @@
           <a:bodyPr/>
           <a:lstStyle/>
           <a:p>
-            <a:fld id="{D6B912BE-CD0B-4D53-8049-EE06A4289DFB}" type="datetimeFigureOut">
+            <a:fld id="{74590499-1404-498B-A1B7-C2DF67E66AD4}" type="datetimeFigureOut">
               <a:rPr lang="zh-CN" altLang="en-US" smtClean="0"/>
               <a:t>2024/3/10</a:t>
             </a:fld>
@@ -1962,7 +1962,7 @@
           <p:cNvPr id="4" name="页脚占位符 3">
             <a:extLst>
               <a:ext uri="{FF2B5EF4-FFF2-40B4-BE49-F238E27FC236}">
-                <a16:creationId xmlns:a16="http://schemas.microsoft.com/office/drawing/2014/main" id="{7EDE4821-189C-6EA9-A18F-C37B5767B692}"/>
+                <a16:creationId xmlns:a16="http://schemas.microsoft.com/office/drawing/2014/main" id="{C61BB2BB-94E0-B893-5DE6-F7FCDD7897FC}"/>
               </a:ext>
             </a:extLst>
           </p:cNvPr>
@@ -1987,7 +1987,7 @@
           <p:cNvPr id="5" name="灯片编号占位符 4">
             <a:extLst>
               <a:ext uri="{FF2B5EF4-FFF2-40B4-BE49-F238E27FC236}">
-                <a16:creationId xmlns:a16="http://schemas.microsoft.com/office/drawing/2014/main" id="{B5EC982B-AD6D-26DE-8E42-89D86B15FFA5}"/>
+                <a16:creationId xmlns:a16="http://schemas.microsoft.com/office/drawing/2014/main" id="{124FE0D8-4DD7-7C43-34D2-58EF20E4D275}"/>
               </a:ext>
             </a:extLst>
           </p:cNvPr>
@@ -2003,7 +2003,7 @@
           <a:bodyPr/>
           <a:lstStyle/>
           <a:p>
-            <a:fld id="{88FBBDA0-424F-4CA9-A50E-76383FDE8075}" type="slidenum">
+            <a:fld id="{96C9194C-6D96-42EC-9C0F-FE4E4051F18C}" type="slidenum">
               <a:rPr lang="zh-CN" altLang="en-US" smtClean="0"/>
               <a:t>‹#›</a:t>
             </a:fld>
@@ -2014,7 +2014,7 @@
     </p:spTree>
     <p:extLst>
       <p:ext uri="{BB962C8B-B14F-4D97-AF65-F5344CB8AC3E}">
-        <p14:creationId xmlns:p14="http://schemas.microsoft.com/office/powerpoint/2010/main" val="4066742737"/>
+        <p14:creationId xmlns:p14="http://schemas.microsoft.com/office/powerpoint/2010/main" val="542176722"/>
       </p:ext>
     </p:extLst>
   </p:cSld>
@@ -2046,7 +2046,7 @@
           <p:cNvPr id="2" name="日期占位符 1">
             <a:extLst>
               <a:ext uri="{FF2B5EF4-FFF2-40B4-BE49-F238E27FC236}">
-                <a16:creationId xmlns:a16="http://schemas.microsoft.com/office/drawing/2014/main" id="{AB14A9F8-D191-076D-1BAA-90651A7EE03D}"/>
+                <a16:creationId xmlns:a16="http://schemas.microsoft.com/office/drawing/2014/main" id="{70C24C16-DB41-F16B-1D99-0D2089C43A64}"/>
               </a:ext>
             </a:extLst>
           </p:cNvPr>
@@ -2062,7 +2062,7 @@
           <a:bodyPr/>
           <a:lstStyle/>
           <a:p>
-            <a:fld id="{D6B912BE-CD0B-4D53-8049-EE06A4289DFB}" type="datetimeFigureOut">
+            <a:fld id="{74590499-1404-498B-A1B7-C2DF67E66AD4}" type="datetimeFigureOut">
               <a:rPr lang="zh-CN" altLang="en-US" smtClean="0"/>
               <a:t>2024/3/10</a:t>
             </a:fld>
@@ -2075,7 +2075,7 @@
           <p:cNvPr id="3" name="页脚占位符 2">
             <a:extLst>
               <a:ext uri="{FF2B5EF4-FFF2-40B4-BE49-F238E27FC236}">
-                <a16:creationId xmlns:a16="http://schemas.microsoft.com/office/drawing/2014/main" id="{E62E49DA-C28B-6333-44B2-FFB230F7D841}"/>
+                <a16:creationId xmlns:a16="http://schemas.microsoft.com/office/drawing/2014/main" id="{6962876A-B76D-9FC2-FBC2-0C3B4172742D}"/>
               </a:ext>
             </a:extLst>
           </p:cNvPr>
@@ -2100,7 +2100,7 @@
           <p:cNvPr id="4" name="灯片编号占位符 3">
             <a:extLst>
               <a:ext uri="{FF2B5EF4-FFF2-40B4-BE49-F238E27FC236}">
-                <a16:creationId xmlns:a16="http://schemas.microsoft.com/office/drawing/2014/main" id="{E1ACF900-F5A2-6A26-7BDC-A38C757FC383}"/>
+                <a16:creationId xmlns:a16="http://schemas.microsoft.com/office/drawing/2014/main" id="{2D57EF2F-FE1A-3AA6-7B36-83C794DE94EC}"/>
               </a:ext>
             </a:extLst>
           </p:cNvPr>
@@ -2116,7 +2116,7 @@
           <a:bodyPr/>
           <a:lstStyle/>
           <a:p>
-            <a:fld id="{88FBBDA0-424F-4CA9-A50E-76383FDE8075}" type="slidenum">
+            <a:fld id="{96C9194C-6D96-42EC-9C0F-FE4E4051F18C}" type="slidenum">
               <a:rPr lang="zh-CN" altLang="en-US" smtClean="0"/>
               <a:t>‹#›</a:t>
             </a:fld>
@@ -2127,7 +2127,7 @@
     </p:spTree>
     <p:extLst>
       <p:ext uri="{BB962C8B-B14F-4D97-AF65-F5344CB8AC3E}">
-        <p14:creationId xmlns:p14="http://schemas.microsoft.com/office/powerpoint/2010/main" val="3524088386"/>
+        <p14:creationId xmlns:p14="http://schemas.microsoft.com/office/powerpoint/2010/main" val="4075186297"/>
       </p:ext>
     </p:extLst>
   </p:cSld>
@@ -2159,7 +2159,7 @@
           <p:cNvPr id="2" name="标题 1">
             <a:extLst>
               <a:ext uri="{FF2B5EF4-FFF2-40B4-BE49-F238E27FC236}">
-                <a16:creationId xmlns:a16="http://schemas.microsoft.com/office/drawing/2014/main" id="{78BCF06F-147A-C059-DDA9-00A79D7FD10A}"/>
+                <a16:creationId xmlns:a16="http://schemas.microsoft.com/office/drawing/2014/main" id="{6CC57B73-E147-AD71-DA46-8FB4CD55C144}"/>
               </a:ext>
             </a:extLst>
           </p:cNvPr>
@@ -2196,7 +2196,7 @@
           <p:cNvPr id="3" name="内容占位符 2">
             <a:extLst>
               <a:ext uri="{FF2B5EF4-FFF2-40B4-BE49-F238E27FC236}">
-                <a16:creationId xmlns:a16="http://schemas.microsoft.com/office/drawing/2014/main" id="{3CEB3DDB-09DB-9B9C-CB84-10BE3ADFA929}"/>
+                <a16:creationId xmlns:a16="http://schemas.microsoft.com/office/drawing/2014/main" id="{63FE5476-2F89-8AC1-3C34-E9B25C37CC44}"/>
               </a:ext>
             </a:extLst>
           </p:cNvPr>
@@ -2286,7 +2286,7 @@
           <p:cNvPr id="4" name="文本占位符 3">
             <a:extLst>
               <a:ext uri="{FF2B5EF4-FFF2-40B4-BE49-F238E27FC236}">
-                <a16:creationId xmlns:a16="http://schemas.microsoft.com/office/drawing/2014/main" id="{1D8610B1-DA7E-EE92-997A-66A918E2DF9E}"/>
+                <a16:creationId xmlns:a16="http://schemas.microsoft.com/office/drawing/2014/main" id="{DC2F937A-2F23-9CC0-2AFC-60EE6ABD997F}"/>
               </a:ext>
             </a:extLst>
           </p:cNvPr>
@@ -2357,7 +2357,7 @@
           <p:cNvPr id="5" name="日期占位符 4">
             <a:extLst>
               <a:ext uri="{FF2B5EF4-FFF2-40B4-BE49-F238E27FC236}">
-                <a16:creationId xmlns:a16="http://schemas.microsoft.com/office/drawing/2014/main" id="{842AF0FB-F96F-018B-2F62-9D643968F211}"/>
+                <a16:creationId xmlns:a16="http://schemas.microsoft.com/office/drawing/2014/main" id="{1DDE825A-88D1-AEBD-B55E-2AE4A1722366}"/>
               </a:ext>
             </a:extLst>
           </p:cNvPr>
@@ -2373,7 +2373,7 @@
           <a:bodyPr/>
           <a:lstStyle/>
           <a:p>
-            <a:fld id="{D6B912BE-CD0B-4D53-8049-EE06A4289DFB}" type="datetimeFigureOut">
+            <a:fld id="{74590499-1404-498B-A1B7-C2DF67E66AD4}" type="datetimeFigureOut">
               <a:rPr lang="zh-CN" altLang="en-US" smtClean="0"/>
               <a:t>2024/3/10</a:t>
             </a:fld>
@@ -2386,7 +2386,7 @@
           <p:cNvPr id="6" name="页脚占位符 5">
             <a:extLst>
               <a:ext uri="{FF2B5EF4-FFF2-40B4-BE49-F238E27FC236}">
-                <a16:creationId xmlns:a16="http://schemas.microsoft.com/office/drawing/2014/main" id="{DEAD3CFF-4CBE-1607-E87D-D8BA8B8C9AA2}"/>
+                <a16:creationId xmlns:a16="http://schemas.microsoft.com/office/drawing/2014/main" id="{3C2B2A7B-1124-D1AD-BEB3-133857BA2A4F}"/>
               </a:ext>
             </a:extLst>
           </p:cNvPr>
@@ -2411,7 +2411,7 @@
           <p:cNvPr id="7" name="灯片编号占位符 6">
             <a:extLst>
               <a:ext uri="{FF2B5EF4-FFF2-40B4-BE49-F238E27FC236}">
-                <a16:creationId xmlns:a16="http://schemas.microsoft.com/office/drawing/2014/main" id="{7F4FD74F-CCF0-7E78-D234-7D67C9536065}"/>
+                <a16:creationId xmlns:a16="http://schemas.microsoft.com/office/drawing/2014/main" id="{78F1A670-DF5F-CA5C-C659-29385B069174}"/>
               </a:ext>
             </a:extLst>
           </p:cNvPr>
@@ -2427,7 +2427,7 @@
           <a:bodyPr/>
           <a:lstStyle/>
           <a:p>
-            <a:fld id="{88FBBDA0-424F-4CA9-A50E-76383FDE8075}" type="slidenum">
+            <a:fld id="{96C9194C-6D96-42EC-9C0F-FE4E4051F18C}" type="slidenum">
               <a:rPr lang="zh-CN" altLang="en-US" smtClean="0"/>
               <a:t>‹#›</a:t>
             </a:fld>
@@ -2438,7 +2438,7 @@
     </p:spTree>
     <p:extLst>
       <p:ext uri="{BB962C8B-B14F-4D97-AF65-F5344CB8AC3E}">
-        <p14:creationId xmlns:p14="http://schemas.microsoft.com/office/powerpoint/2010/main" val="1906257513"/>
+        <p14:creationId xmlns:p14="http://schemas.microsoft.com/office/powerpoint/2010/main" val="3430080067"/>
       </p:ext>
     </p:extLst>
   </p:cSld>
@@ -2470,7 +2470,7 @@
           <p:cNvPr id="2" name="标题 1">
             <a:extLst>
               <a:ext uri="{FF2B5EF4-FFF2-40B4-BE49-F238E27FC236}">
-                <a16:creationId xmlns:a16="http://schemas.microsoft.com/office/drawing/2014/main" id="{0DAE69D0-F765-26D6-88FF-FE376C6C87F6}"/>
+                <a16:creationId xmlns:a16="http://schemas.microsoft.com/office/drawing/2014/main" id="{1CE18E53-ADB4-D75F-6C66-0E17F444C739}"/>
               </a:ext>
             </a:extLst>
           </p:cNvPr>
@@ -2507,7 +2507,7 @@
           <p:cNvPr id="3" name="图片占位符 2">
             <a:extLst>
               <a:ext uri="{FF2B5EF4-FFF2-40B4-BE49-F238E27FC236}">
-                <a16:creationId xmlns:a16="http://schemas.microsoft.com/office/drawing/2014/main" id="{EB94A8DD-9915-BB1B-1DF0-6D2A88D038F7}"/>
+                <a16:creationId xmlns:a16="http://schemas.microsoft.com/office/drawing/2014/main" id="{285108EB-CA72-8BB0-0267-0ADEFAE40505}"/>
               </a:ext>
             </a:extLst>
           </p:cNvPr>
@@ -2574,7 +2574,7 @@
           <p:cNvPr id="4" name="文本占位符 3">
             <a:extLst>
               <a:ext uri="{FF2B5EF4-FFF2-40B4-BE49-F238E27FC236}">
-                <a16:creationId xmlns:a16="http://schemas.microsoft.com/office/drawing/2014/main" id="{BDB6DAD8-8BF3-232F-0F63-FFB19F56518C}"/>
+                <a16:creationId xmlns:a16="http://schemas.microsoft.com/office/drawing/2014/main" id="{D9B62272-9164-F7B8-F03B-7AF90E3BEA3F}"/>
               </a:ext>
             </a:extLst>
           </p:cNvPr>
@@ -2645,7 +2645,7 @@
           <p:cNvPr id="5" name="日期占位符 4">
             <a:extLst>
               <a:ext uri="{FF2B5EF4-FFF2-40B4-BE49-F238E27FC236}">
-                <a16:creationId xmlns:a16="http://schemas.microsoft.com/office/drawing/2014/main" id="{995BB3DB-AE29-0EF2-8141-0B5504CB5BA9}"/>
+                <a16:creationId xmlns:a16="http://schemas.microsoft.com/office/drawing/2014/main" id="{5EF3B5A1-A6FB-BB4A-6E68-3A435E22752D}"/>
               </a:ext>
             </a:extLst>
           </p:cNvPr>
@@ -2661,7 +2661,7 @@
           <a:bodyPr/>
           <a:lstStyle/>
           <a:p>
-            <a:fld id="{D6B912BE-CD0B-4D53-8049-EE06A4289DFB}" type="datetimeFigureOut">
+            <a:fld id="{74590499-1404-498B-A1B7-C2DF67E66AD4}" type="datetimeFigureOut">
               <a:rPr lang="zh-CN" altLang="en-US" smtClean="0"/>
               <a:t>2024/3/10</a:t>
             </a:fld>
@@ -2674,7 +2674,7 @@
           <p:cNvPr id="6" name="页脚占位符 5">
             <a:extLst>
               <a:ext uri="{FF2B5EF4-FFF2-40B4-BE49-F238E27FC236}">
-                <a16:creationId xmlns:a16="http://schemas.microsoft.com/office/drawing/2014/main" id="{44CBE669-6F85-2457-F62F-52D3EAEE39DE}"/>
+                <a16:creationId xmlns:a16="http://schemas.microsoft.com/office/drawing/2014/main" id="{9866B2F3-923C-EC06-725F-C4A97BC0542F}"/>
               </a:ext>
             </a:extLst>
           </p:cNvPr>
@@ -2699,7 +2699,7 @@
           <p:cNvPr id="7" name="灯片编号占位符 6">
             <a:extLst>
               <a:ext uri="{FF2B5EF4-FFF2-40B4-BE49-F238E27FC236}">
-                <a16:creationId xmlns:a16="http://schemas.microsoft.com/office/drawing/2014/main" id="{BAB9B694-27B5-F381-6552-B59D6B6ED238}"/>
+                <a16:creationId xmlns:a16="http://schemas.microsoft.com/office/drawing/2014/main" id="{B2906673-96CE-9F74-3588-2D686967BE5A}"/>
               </a:ext>
             </a:extLst>
           </p:cNvPr>
@@ -2715,7 +2715,7 @@
           <a:bodyPr/>
           <a:lstStyle/>
           <a:p>
-            <a:fld id="{88FBBDA0-424F-4CA9-A50E-76383FDE8075}" type="slidenum">
+            <a:fld id="{96C9194C-6D96-42EC-9C0F-FE4E4051F18C}" type="slidenum">
               <a:rPr lang="zh-CN" altLang="en-US" smtClean="0"/>
               <a:t>‹#›</a:t>
             </a:fld>
@@ -2726,7 +2726,7 @@
     </p:spTree>
     <p:extLst>
       <p:ext uri="{BB962C8B-B14F-4D97-AF65-F5344CB8AC3E}">
-        <p14:creationId xmlns:p14="http://schemas.microsoft.com/office/powerpoint/2010/main" val="2704656866"/>
+        <p14:creationId xmlns:p14="http://schemas.microsoft.com/office/powerpoint/2010/main" val="3317145395"/>
       </p:ext>
     </p:extLst>
   </p:cSld>
@@ -2763,7 +2763,7 @@
           <p:cNvPr id="2" name="标题占位符 1">
             <a:extLst>
               <a:ext uri="{FF2B5EF4-FFF2-40B4-BE49-F238E27FC236}">
-                <a16:creationId xmlns:a16="http://schemas.microsoft.com/office/drawing/2014/main" id="{A28B2FB1-994C-2545-D9D5-9253C12BF7D5}"/>
+                <a16:creationId xmlns:a16="http://schemas.microsoft.com/office/drawing/2014/main" id="{0B69E679-E2E5-5E73-3A9D-AA690F442FD4}"/>
               </a:ext>
             </a:extLst>
           </p:cNvPr>
@@ -2801,7 +2801,7 @@
           <p:cNvPr id="3" name="文本占位符 2">
             <a:extLst>
               <a:ext uri="{FF2B5EF4-FFF2-40B4-BE49-F238E27FC236}">
-                <a16:creationId xmlns:a16="http://schemas.microsoft.com/office/drawing/2014/main" id="{62E33869-E83B-CB9C-E788-631B9622FA38}"/>
+                <a16:creationId xmlns:a16="http://schemas.microsoft.com/office/drawing/2014/main" id="{794A554E-90B8-5750-9771-467CFEB0FC38}"/>
               </a:ext>
             </a:extLst>
           </p:cNvPr>
@@ -2868,7 +2868,7 @@
           <p:cNvPr id="4" name="日期占位符 3">
             <a:extLst>
               <a:ext uri="{FF2B5EF4-FFF2-40B4-BE49-F238E27FC236}">
-                <a16:creationId xmlns:a16="http://schemas.microsoft.com/office/drawing/2014/main" id="{2ACD104A-43B4-F9E9-02E8-E608B8E7539B}"/>
+                <a16:creationId xmlns:a16="http://schemas.microsoft.com/office/drawing/2014/main" id="{130F502C-42F9-A88A-AFAA-D6AAA9B9C843}"/>
               </a:ext>
             </a:extLst>
           </p:cNvPr>
@@ -2902,7 +2902,7 @@
             </a:lvl1pPr>
           </a:lstStyle>
           <a:p>
-            <a:fld id="{D6B912BE-CD0B-4D53-8049-EE06A4289DFB}" type="datetimeFigureOut">
+            <a:fld id="{74590499-1404-498B-A1B7-C2DF67E66AD4}" type="datetimeFigureOut">
               <a:rPr lang="zh-CN" altLang="en-US" smtClean="0"/>
               <a:t>2024/3/10</a:t>
             </a:fld>
@@ -2915,7 +2915,7 @@
           <p:cNvPr id="5" name="页脚占位符 4">
             <a:extLst>
               <a:ext uri="{FF2B5EF4-FFF2-40B4-BE49-F238E27FC236}">
-                <a16:creationId xmlns:a16="http://schemas.microsoft.com/office/drawing/2014/main" id="{46ADE57A-8492-2C0D-FC73-600A2C1FBFC1}"/>
+                <a16:creationId xmlns:a16="http://schemas.microsoft.com/office/drawing/2014/main" id="{136D2C49-10A9-154B-DC48-75F523DD2153}"/>
               </a:ext>
             </a:extLst>
           </p:cNvPr>
@@ -2958,7 +2958,7 @@
           <p:cNvPr id="6" name="灯片编号占位符 5">
             <a:extLst>
               <a:ext uri="{FF2B5EF4-FFF2-40B4-BE49-F238E27FC236}">
-                <a16:creationId xmlns:a16="http://schemas.microsoft.com/office/drawing/2014/main" id="{CD8384C8-0189-09DE-EE0E-3A7FF57CA512}"/>
+                <a16:creationId xmlns:a16="http://schemas.microsoft.com/office/drawing/2014/main" id="{73D5B7FC-47CD-F4C6-A7AB-8C4311C94058}"/>
               </a:ext>
             </a:extLst>
           </p:cNvPr>
@@ -2992,7 +2992,7 @@
             </a:lvl1pPr>
           </a:lstStyle>
           <a:p>
-            <a:fld id="{88FBBDA0-424F-4CA9-A50E-76383FDE8075}" type="slidenum">
+            <a:fld id="{96C9194C-6D96-42EC-9C0F-FE4E4051F18C}" type="slidenum">
               <a:rPr lang="zh-CN" altLang="en-US" smtClean="0"/>
               <a:t>‹#›</a:t>
             </a:fld>
@@ -3003,7 +3003,7 @@
     </p:spTree>
     <p:extLst>
       <p:ext uri="{BB962C8B-B14F-4D97-AF65-F5344CB8AC3E}">
-        <p14:creationId xmlns:p14="http://schemas.microsoft.com/office/powerpoint/2010/main" val="1574779554"/>
+        <p14:creationId xmlns:p14="http://schemas.microsoft.com/office/powerpoint/2010/main" val="3970679101"/>
       </p:ext>
     </p:extLst>
   </p:cSld>
@@ -3323,7 +3323,7 @@
       </p:grpSpPr>
       <p:pic>
         <p:nvPicPr>
-          <p:cNvPr id="256002" name="Picture 2" descr="249"/>
+          <p:cNvPr id="257026" name="Picture 2" descr="250"/>
           <p:cNvPicPr>
             <a:picLocks noChangeAspect="1" noChangeArrowheads="1"/>
           </p:cNvPicPr>
